--- a/Finished Deliverables/11-Presentation Slides/RIS Presentation Slides.pptx
+++ b/Finished Deliverables/11-Presentation Slides/RIS Presentation Slides.pptx
@@ -113,6 +113,11 @@
       </a:defRPr>
     </a:lvl9pPr>
   </p:defaultTextStyle>
+  <p:extLst>
+    <p:ext uri="{EFAFB233-063F-42B5-8137-9DF3F51BA10A}">
+      <p15:sldGuideLst xmlns:p15="http://schemas.microsoft.com/office/powerpoint/2012/main"/>
+    </p:ext>
+  </p:extLst>
 </p:presentation>
 </file>
 
@@ -6619,7 +6624,7 @@
                   <a:srgbClr val="DADADA"/>
                 </a:solidFill>
               </a:rPr>
-              <a:t>Providing usability in an easy t use, simple dashboard for users</a:t>
+              <a:t>Providing usability in an easy to use, simple dashboard for users</a:t>
             </a:r>
           </a:p>
         </p:txBody>

--- a/Finished Deliverables/11-Presentation Slides/RIS Presentation Slides.pptx
+++ b/Finished Deliverables/11-Presentation Slides/RIS Presentation Slides.pptx
@@ -6871,18 +6871,87 @@
             </a:r>
           </a:p>
           <a:p>
-            <a:endParaRPr lang="en-US" dirty="0"/>
-          </a:p>
-          <a:p>
-            <a:endParaRPr lang="en-US" dirty="0"/>
-          </a:p>
-          <a:p>
+            <a:pPr marL="36900" indent="0">
+              <a:buNone/>
+            </a:pPr>
+            <a:r>
+              <a:rPr lang="en-US" dirty="0"/>
+              <a:t>	User Info feature owner</a:t>
+            </a:r>
+          </a:p>
+          <a:p>
+            <a:pPr marL="36900" indent="0">
+              <a:buNone/>
+            </a:pPr>
+            <a:r>
+              <a:rPr lang="en-US" dirty="0"/>
+              <a:t>	Modeling and Design</a:t>
+            </a:r>
+          </a:p>
+          <a:p>
+            <a:pPr marL="36900" indent="0">
+              <a:buNone/>
+            </a:pPr>
+            <a:r>
+              <a:rPr lang="en-US" dirty="0"/>
+              <a:t>	Stress Testing </a:t>
+            </a:r>
+          </a:p>
+          <a:p>
+            <a:pPr marL="36900" indent="0">
+              <a:buNone/>
+            </a:pPr>
+            <a:r>
+              <a:rPr lang="en-US" dirty="0"/>
+              <a:t>	Debugging</a:t>
+            </a:r>
+          </a:p>
+          <a:p>
+            <a:pPr marL="36900" indent="0">
+              <a:buNone/>
+            </a:pPr>
             <a:endParaRPr lang="en-US" dirty="0"/>
           </a:p>
           <a:p>
             <a:r>
               <a:rPr lang="en-US" dirty="0"/>
               <a:t>Cole Ledford</a:t>
+            </a:r>
+          </a:p>
+          <a:p>
+            <a:pPr marL="450000" lvl="1" indent="0">
+              <a:buNone/>
+            </a:pPr>
+            <a:r>
+              <a:rPr lang="en-US" dirty="0"/>
+              <a:t>Billing feature owner</a:t>
+            </a:r>
+          </a:p>
+          <a:p>
+            <a:pPr marL="450000" lvl="1" indent="0">
+              <a:buNone/>
+            </a:pPr>
+            <a:r>
+              <a:rPr lang="en-US" dirty="0"/>
+              <a:t>	Modeling and Design</a:t>
+            </a:r>
+          </a:p>
+          <a:p>
+            <a:pPr marL="450000" lvl="1" indent="0">
+              <a:buNone/>
+            </a:pPr>
+            <a:r>
+              <a:rPr lang="en-US" dirty="0"/>
+              <a:t>Stress testing </a:t>
+            </a:r>
+          </a:p>
+          <a:p>
+            <a:pPr marL="450000" lvl="1" indent="0">
+              <a:buNone/>
+            </a:pPr>
+            <a:r>
+              <a:rPr lang="en-US" dirty="0"/>
+              <a:t>Debugging</a:t>
             </a:r>
           </a:p>
         </p:txBody>
